--- a/Panique au centre commercial.pptx
+++ b/Panique au centre commercial.pptx
@@ -8,12 +8,13 @@
     <p:sldId id="256" r:id="rId2"/>
     <p:sldId id="257" r:id="rId3"/>
     <p:sldId id="258" r:id="rId4"/>
-    <p:sldId id="259" r:id="rId5"/>
-    <p:sldId id="260" r:id="rId6"/>
-    <p:sldId id="261" r:id="rId7"/>
-    <p:sldId id="262" r:id="rId8"/>
+    <p:sldId id="265" r:id="rId5"/>
+    <p:sldId id="259" r:id="rId6"/>
+    <p:sldId id="260" r:id="rId7"/>
+    <p:sldId id="261" r:id="rId8"/>
     <p:sldId id="263" r:id="rId9"/>
-    <p:sldId id="264" r:id="rId10"/>
+    <p:sldId id="267" r:id="rId10"/>
+    <p:sldId id="266" r:id="rId11"/>
   </p:sldIdLst>
   <p:sldSz cx="12192000" cy="6858000"/>
   <p:notesSz cx="6858000" cy="9144000"/>
@@ -112,6 +113,11 @@
       </a:defRPr>
     </a:lvl9pPr>
   </p:defaultTextStyle>
+  <p:extLst>
+    <p:ext uri="{EFAFB233-063F-42B5-8137-9DF3F51BA10A}">
+      <p15:sldGuideLst xmlns:p15="http://schemas.microsoft.com/office/powerpoint/2012/main"/>
+    </p:ext>
+  </p:extLst>
 </p:presentation>
 </file>
 
@@ -5355,6 +5361,21 @@
           <a:bodyPr/>
           <a:lstStyle/>
           <a:p>
+            <a:r>
+              <a:rPr lang="fr-FR" dirty="0" smtClean="0"/>
+              <a:t>Lilian </a:t>
+            </a:r>
+            <a:r>
+              <a:rPr lang="fr-FR" dirty="0" err="1" smtClean="0"/>
+              <a:t>Varrel</a:t>
+            </a:r>
+            <a:endParaRPr lang="fr-FR" dirty="0" smtClean="0"/>
+          </a:p>
+          <a:p>
+            <a:r>
+              <a:rPr lang="fr-FR" dirty="0" smtClean="0"/>
+              <a:t>Diego Roussel</a:t>
+            </a:r>
             <a:endParaRPr lang="fr-FR" dirty="0"/>
           </a:p>
         </p:txBody>
@@ -5369,6 +5390,116 @@
   <p:clrMapOvr>
     <a:masterClrMapping/>
   </p:clrMapOvr>
+  <p:timing>
+    <p:tnLst>
+      <p:par>
+        <p:cTn id="1" dur="indefinite" restart="never" nodeType="tmRoot"/>
+      </p:par>
+    </p:tnLst>
+  </p:timing>
+</p:sld>
+</file>
+
+<file path=ppt/slides/slide10.xml><?xml version="1.0" encoding="utf-8"?>
+<p:sld xmlns:a="http://schemas.openxmlformats.org/drawingml/2006/main" xmlns:r="http://schemas.openxmlformats.org/officeDocument/2006/relationships" xmlns:p="http://schemas.openxmlformats.org/presentationml/2006/main">
+  <p:cSld>
+    <p:spTree>
+      <p:nvGrpSpPr>
+        <p:cNvPr id="1" name=""/>
+        <p:cNvGrpSpPr/>
+        <p:nvPr/>
+      </p:nvGrpSpPr>
+      <p:grpSpPr>
+        <a:xfrm>
+          <a:off x="0" y="0"/>
+          <a:ext cx="0" cy="0"/>
+          <a:chOff x="0" y="0"/>
+          <a:chExt cx="0" cy="0"/>
+        </a:xfrm>
+      </p:grpSpPr>
+      <p:sp>
+        <p:nvSpPr>
+          <p:cNvPr id="2" name="Titre 1"/>
+          <p:cNvSpPr>
+            <a:spLocks noGrp="1"/>
+          </p:cNvSpPr>
+          <p:nvPr>
+            <p:ph type="title"/>
+          </p:nvPr>
+        </p:nvSpPr>
+        <p:spPr/>
+        <p:txBody>
+          <a:bodyPr/>
+          <a:lstStyle/>
+          <a:p>
+            <a:r>
+              <a:rPr lang="fr-FR" dirty="0" smtClean="0"/>
+              <a:t>Conclusion</a:t>
+            </a:r>
+            <a:endParaRPr lang="fr-FR" dirty="0"/>
+          </a:p>
+        </p:txBody>
+      </p:sp>
+      <p:sp>
+        <p:nvSpPr>
+          <p:cNvPr id="3" name="Espace réservé du contenu 2"/>
+          <p:cNvSpPr>
+            <a:spLocks noGrp="1"/>
+          </p:cNvSpPr>
+          <p:nvPr>
+            <p:ph idx="1"/>
+          </p:nvPr>
+        </p:nvSpPr>
+        <p:spPr/>
+        <p:txBody>
+          <a:bodyPr/>
+          <a:lstStyle/>
+          <a:p>
+            <a:r>
+              <a:rPr lang="fr-FR" dirty="0" smtClean="0"/>
+              <a:t>Premier projet d’objet et de Java</a:t>
+            </a:r>
+          </a:p>
+          <a:p>
+            <a:r>
+              <a:rPr lang="fr-FR" dirty="0" smtClean="0"/>
+              <a:t>Utilisation de </a:t>
+            </a:r>
+            <a:r>
+              <a:rPr lang="fr-FR" dirty="0" err="1" smtClean="0"/>
+              <a:t>GitHub</a:t>
+            </a:r>
+            <a:endParaRPr lang="fr-FR" dirty="0" smtClean="0"/>
+          </a:p>
+          <a:p>
+            <a:endParaRPr lang="fr-FR" dirty="0"/>
+          </a:p>
+          <a:p>
+            <a:r>
+              <a:rPr lang="fr-FR" dirty="0" smtClean="0"/>
+              <a:t>Remerciements : Mme Matignon et Mr Gréa</a:t>
+            </a:r>
+            <a:endParaRPr lang="fr-FR" dirty="0"/>
+          </a:p>
+        </p:txBody>
+      </p:sp>
+    </p:spTree>
+    <p:extLst>
+      <p:ext uri="{BB962C8B-B14F-4D97-AF65-F5344CB8AC3E}">
+        <p14:creationId xmlns:p14="http://schemas.microsoft.com/office/powerpoint/2010/main" val="1126716785"/>
+      </p:ext>
+    </p:extLst>
+  </p:cSld>
+  <p:clrMapOvr>
+    <a:masterClrMapping/>
+  </p:clrMapOvr>
+  <p:timing>
+    <p:tnLst>
+      <p:par>
+        <p:cTn id="1" dur="indefinite" restart="never" nodeType="tmRoot"/>
+      </p:par>
+    </p:tnLst>
+  </p:timing>
 </p:sld>
 </file>
 
@@ -5430,6 +5561,13 @@
   <p:clrMapOvr>
     <a:masterClrMapping/>
   </p:clrMapOvr>
+  <p:timing>
+    <p:tnLst>
+      <p:par>
+        <p:cTn id="1" dur="indefinite" restart="never" nodeType="tmRoot"/>
+      </p:par>
+    </p:tnLst>
+  </p:timing>
 </p:sld>
 </file>
 
@@ -5490,8 +5628,52 @@
           <a:p>
             <a:r>
               <a:rPr lang="fr-FR" dirty="0" smtClean="0"/>
-              <a:t>4 Différentes Classes pour 4 caractéristiques </a:t>
-            </a:r>
+              <a:t>4 Différentes Classes </a:t>
+            </a:r>
+            <a:r>
+              <a:rPr lang="fr-FR" dirty="0" smtClean="0"/>
+              <a:t>(Boulanger/Cuisinier/Pharmacien/</a:t>
+            </a:r>
+            <a:r>
+              <a:rPr lang="fr-FR" dirty="0" err="1" smtClean="0"/>
+              <a:t>SaV</a:t>
+            </a:r>
+            <a:r>
+              <a:rPr lang="fr-FR" dirty="0" smtClean="0"/>
+              <a:t>)</a:t>
+            </a:r>
+            <a:endParaRPr lang="fr-FR" dirty="0" smtClean="0"/>
+          </a:p>
+          <a:p>
+            <a:r>
+              <a:rPr lang="fr-FR" dirty="0" smtClean="0"/>
+              <a:t>pour </a:t>
+            </a:r>
+            <a:r>
+              <a:rPr lang="fr-FR" dirty="0" smtClean="0"/>
+              <a:t>4 caractéristiques </a:t>
+            </a:r>
+            <a:r>
+              <a:rPr lang="fr-FR" dirty="0" smtClean="0"/>
+              <a:t>(Intel/</a:t>
+            </a:r>
+            <a:r>
+              <a:rPr lang="fr-FR" dirty="0" err="1" smtClean="0"/>
+              <a:t>vita</a:t>
+            </a:r>
+            <a:r>
+              <a:rPr lang="fr-FR" dirty="0" smtClean="0"/>
+              <a:t>/</a:t>
+            </a:r>
+            <a:r>
+              <a:rPr lang="fr-FR" dirty="0" err="1" smtClean="0"/>
+              <a:t>dexte</a:t>
+            </a:r>
+            <a:r>
+              <a:rPr lang="fr-FR" smtClean="0"/>
+              <a:t>/force)</a:t>
+            </a:r>
+            <a:endParaRPr lang="fr-FR" dirty="0" smtClean="0"/>
           </a:p>
           <a:p>
             <a:r>
@@ -5528,9 +5710,12 @@
           <a:p>
             <a:r>
               <a:rPr lang="fr-FR" dirty="0" smtClean="0"/>
-              <a:t>L’évidente possibilité de sauvegarder/charger.</a:t>
-            </a:r>
-            <a:endParaRPr lang="fr-FR" dirty="0"/>
+              <a:t>L’évidente possibilité de sauvegarder/charger</a:t>
+            </a:r>
+            <a:r>
+              <a:rPr lang="fr-FR" dirty="0" smtClean="0"/>
+              <a:t>.</a:t>
+            </a:r>
           </a:p>
         </p:txBody>
       </p:sp>
@@ -5588,7 +5773,7 @@
           <a:p>
             <a:r>
               <a:rPr lang="fr-FR" dirty="0" smtClean="0"/>
-              <a:t>LE Diagramme de classe</a:t>
+              <a:t>Déroulement des combats</a:t>
             </a:r>
             <a:endParaRPr lang="fr-FR" dirty="0"/>
           </a:p>
@@ -5609,14 +5794,42 @@
           <a:bodyPr/>
           <a:lstStyle/>
           <a:p>
-            <a:endParaRPr lang="fr-FR"/>
+            <a:r>
+              <a:rPr lang="fr-FR" dirty="0" smtClean="0"/>
+              <a:t>L’agro</a:t>
+            </a:r>
+          </a:p>
+          <a:p>
+            <a:r>
+              <a:rPr lang="fr-FR" dirty="0" smtClean="0"/>
+              <a:t>Qui commence?</a:t>
+            </a:r>
+          </a:p>
+          <a:p>
+            <a:r>
+              <a:rPr lang="fr-FR" dirty="0" smtClean="0"/>
+              <a:t>Avec quoi je tape?</a:t>
+            </a:r>
+          </a:p>
+          <a:p>
+            <a:r>
+              <a:rPr lang="fr-FR" dirty="0" smtClean="0"/>
+              <a:t>Combien je tape?</a:t>
+            </a:r>
+          </a:p>
+          <a:p>
+            <a:r>
+              <a:rPr lang="fr-FR" dirty="0" smtClean="0"/>
+              <a:t>Qu’est ce que ça m’apporte?</a:t>
+            </a:r>
+            <a:endParaRPr lang="fr-FR" dirty="0"/>
           </a:p>
         </p:txBody>
       </p:sp>
     </p:spTree>
     <p:extLst>
       <p:ext uri="{BB962C8B-B14F-4D97-AF65-F5344CB8AC3E}">
-        <p14:creationId xmlns:p14="http://schemas.microsoft.com/office/powerpoint/2010/main" val="3517186929"/>
+        <p14:creationId xmlns:p14="http://schemas.microsoft.com/office/powerpoint/2010/main" val="966850724"/>
       </p:ext>
     </p:extLst>
   </p:cSld>
@@ -5667,35 +5880,75 @@
           <a:p>
             <a:r>
               <a:rPr lang="fr-FR" dirty="0" smtClean="0"/>
-              <a:t>Zoom sur les items</a:t>
+              <a:t>LE Diagramme de classe</a:t>
             </a:r>
             <a:endParaRPr lang="fr-FR" dirty="0"/>
           </a:p>
         </p:txBody>
       </p:sp>
-      <p:sp>
-        <p:nvSpPr>
-          <p:cNvPr id="3" name="Espace réservé du contenu 2"/>
-          <p:cNvSpPr>
-            <a:spLocks noGrp="1"/>
-          </p:cNvSpPr>
+      <p:pic>
+        <p:nvPicPr>
+          <p:cNvPr id="4" name="Espace réservé du contenu 3"/>
+          <p:cNvPicPr>
+            <a:picLocks noGrp="1" noChangeAspect="1"/>
+          </p:cNvPicPr>
           <p:nvPr>
             <p:ph idx="1"/>
           </p:nvPr>
-        </p:nvSpPr>
-        <p:spPr/>
-        <p:txBody>
-          <a:bodyPr/>
-          <a:lstStyle/>
-          <a:p>
-            <a:endParaRPr lang="fr-FR"/>
-          </a:p>
-        </p:txBody>
-      </p:sp>
+        </p:nvPicPr>
+        <p:blipFill>
+          <a:blip r:embed="rId2">
+            <a:extLst>
+              <a:ext uri="{28A0092B-C50C-407E-A947-70E740481C1C}">
+                <a14:useLocalDpi xmlns:a14="http://schemas.microsoft.com/office/drawing/2010/main" val="0"/>
+              </a:ext>
+            </a:extLst>
+          </a:blip>
+          <a:stretch>
+            <a:fillRect/>
+          </a:stretch>
+        </p:blipFill>
+        <p:spPr>
+          <a:xfrm>
+            <a:off x="387650" y="267099"/>
+            <a:ext cx="5504387" cy="4535947"/>
+          </a:xfrm>
+        </p:spPr>
+      </p:pic>
+      <p:pic>
+        <p:nvPicPr>
+          <p:cNvPr id="5" name="Image 4"/>
+          <p:cNvPicPr>
+            <a:picLocks noChangeAspect="1"/>
+          </p:cNvPicPr>
+          <p:nvPr/>
+        </p:nvPicPr>
+        <p:blipFill>
+          <a:blip r:embed="rId3">
+            <a:extLst>
+              <a:ext uri="{28A0092B-C50C-407E-A947-70E740481C1C}">
+                <a14:useLocalDpi xmlns:a14="http://schemas.microsoft.com/office/drawing/2010/main" val="0"/>
+              </a:ext>
+            </a:extLst>
+          </a:blip>
+          <a:stretch>
+            <a:fillRect/>
+          </a:stretch>
+        </p:blipFill>
+        <p:spPr>
+          <a:xfrm>
+            <a:off x="6467164" y="815546"/>
+            <a:ext cx="5502895" cy="3237470"/>
+          </a:xfrm>
+          <a:prstGeom prst="rect">
+            <a:avLst/>
+          </a:prstGeom>
+        </p:spPr>
+      </p:pic>
     </p:spTree>
     <p:extLst>
       <p:ext uri="{BB962C8B-B14F-4D97-AF65-F5344CB8AC3E}">
-        <p14:creationId xmlns:p14="http://schemas.microsoft.com/office/powerpoint/2010/main" val="3394705651"/>
+        <p14:creationId xmlns:p14="http://schemas.microsoft.com/office/powerpoint/2010/main" val="3517186929"/>
       </p:ext>
     </p:extLst>
   </p:cSld>
@@ -5746,35 +5999,45 @@
           <a:p>
             <a:r>
               <a:rPr lang="fr-FR" dirty="0" smtClean="0"/>
-              <a:t>Zoom sur les Personnages</a:t>
+              <a:t>Zoom sur les items</a:t>
             </a:r>
             <a:endParaRPr lang="fr-FR" dirty="0"/>
           </a:p>
         </p:txBody>
       </p:sp>
-      <p:sp>
-        <p:nvSpPr>
-          <p:cNvPr id="3" name="Espace réservé du contenu 2"/>
-          <p:cNvSpPr>
-            <a:spLocks noGrp="1"/>
-          </p:cNvSpPr>
+      <p:pic>
+        <p:nvPicPr>
+          <p:cNvPr id="4" name="Espace réservé du contenu 3"/>
+          <p:cNvPicPr>
+            <a:picLocks noGrp="1" noChangeAspect="1"/>
+          </p:cNvPicPr>
           <p:nvPr>
             <p:ph idx="1"/>
           </p:nvPr>
-        </p:nvSpPr>
-        <p:spPr/>
-        <p:txBody>
-          <a:bodyPr/>
-          <a:lstStyle/>
-          <a:p>
-            <a:endParaRPr lang="fr-FR"/>
-          </a:p>
-        </p:txBody>
-      </p:sp>
+        </p:nvPicPr>
+        <p:blipFill>
+          <a:blip r:embed="rId2">
+            <a:extLst>
+              <a:ext uri="{28A0092B-C50C-407E-A947-70E740481C1C}">
+                <a14:useLocalDpi xmlns:a14="http://schemas.microsoft.com/office/drawing/2010/main" val="0"/>
+              </a:ext>
+            </a:extLst>
+          </a:blip>
+          <a:stretch>
+            <a:fillRect/>
+          </a:stretch>
+        </p:blipFill>
+        <p:spPr>
+          <a:xfrm>
+            <a:off x="1384428" y="313036"/>
+            <a:ext cx="5396323" cy="4473533"/>
+          </a:xfrm>
+        </p:spPr>
+      </p:pic>
     </p:spTree>
     <p:extLst>
       <p:ext uri="{BB962C8B-B14F-4D97-AF65-F5344CB8AC3E}">
-        <p14:creationId xmlns:p14="http://schemas.microsoft.com/office/powerpoint/2010/main" val="2669970604"/>
+        <p14:creationId xmlns:p14="http://schemas.microsoft.com/office/powerpoint/2010/main" val="3394705651"/>
       </p:ext>
     </p:extLst>
   </p:cSld>
@@ -5825,35 +6088,45 @@
           <a:p>
             <a:r>
               <a:rPr lang="fr-FR" dirty="0" smtClean="0"/>
-              <a:t>Zoom sur les combats</a:t>
+              <a:t>Zoom sur les Personnages</a:t>
             </a:r>
             <a:endParaRPr lang="fr-FR" dirty="0"/>
           </a:p>
         </p:txBody>
       </p:sp>
-      <p:sp>
-        <p:nvSpPr>
-          <p:cNvPr id="3" name="Espace réservé du contenu 2"/>
-          <p:cNvSpPr>
-            <a:spLocks noGrp="1"/>
-          </p:cNvSpPr>
+      <p:pic>
+        <p:nvPicPr>
+          <p:cNvPr id="4" name="Espace réservé du contenu 3"/>
+          <p:cNvPicPr>
+            <a:picLocks noGrp="1" noChangeAspect="1"/>
+          </p:cNvPicPr>
           <p:nvPr>
             <p:ph idx="1"/>
           </p:nvPr>
-        </p:nvSpPr>
-        <p:spPr/>
-        <p:txBody>
-          <a:bodyPr/>
-          <a:lstStyle/>
-          <a:p>
-            <a:endParaRPr lang="fr-FR"/>
-          </a:p>
-        </p:txBody>
-      </p:sp>
+        </p:nvPicPr>
+        <p:blipFill>
+          <a:blip r:embed="rId2">
+            <a:extLst>
+              <a:ext uri="{28A0092B-C50C-407E-A947-70E740481C1C}">
+                <a14:useLocalDpi xmlns:a14="http://schemas.microsoft.com/office/drawing/2010/main" val="0"/>
+              </a:ext>
+            </a:extLst>
+          </a:blip>
+          <a:stretch>
+            <a:fillRect/>
+          </a:stretch>
+        </p:blipFill>
+        <p:spPr>
+          <a:xfrm>
+            <a:off x="988541" y="156519"/>
+            <a:ext cx="6215048" cy="4812999"/>
+          </a:xfrm>
+        </p:spPr>
+      </p:pic>
     </p:spTree>
     <p:extLst>
       <p:ext uri="{BB962C8B-B14F-4D97-AF65-F5344CB8AC3E}">
-        <p14:creationId xmlns:p14="http://schemas.microsoft.com/office/powerpoint/2010/main" val="2495921786"/>
+        <p14:creationId xmlns:p14="http://schemas.microsoft.com/office/powerpoint/2010/main" val="2669970604"/>
       </p:ext>
     </p:extLst>
   </p:cSld>
@@ -5925,7 +6198,20 @@
           <a:bodyPr/>
           <a:lstStyle/>
           <a:p>
-            <a:endParaRPr lang="fr-FR"/>
+            <a:r>
+              <a:rPr lang="fr-FR" dirty="0" smtClean="0"/>
+              <a:t>La vue</a:t>
+            </a:r>
+          </a:p>
+          <a:p>
+            <a:endParaRPr lang="fr-FR" dirty="0"/>
+          </a:p>
+          <a:p>
+            <a:r>
+              <a:rPr lang="fr-FR" dirty="0" smtClean="0"/>
+              <a:t>Le contrôleur</a:t>
+            </a:r>
+            <a:endParaRPr lang="fr-FR" dirty="0"/>
           </a:p>
         </p:txBody>
       </p:sp>
@@ -5983,7 +6269,7 @@
           <a:p>
             <a:r>
               <a:rPr lang="fr-FR" dirty="0" smtClean="0"/>
-              <a:t>Conclusion</a:t>
+              <a:t>Autre fonctionnalité</a:t>
             </a:r>
             <a:endParaRPr lang="fr-FR" dirty="0"/>
           </a:p>
@@ -6004,9 +6290,12 @@
           <a:bodyPr/>
           <a:lstStyle/>
           <a:p>
-            <a:pPr marL="0" indent="0">
-              <a:buNone/>
-            </a:pPr>
+            <a:r>
+              <a:rPr lang="fr-FR" dirty="0" smtClean="0"/>
+              <a:t>Ajouter/modifier les monstres</a:t>
+            </a:r>
+          </a:p>
+          <a:p>
             <a:endParaRPr lang="fr-FR" dirty="0"/>
           </a:p>
         </p:txBody>
@@ -6014,7 +6303,7 @@
     </p:spTree>
     <p:extLst>
       <p:ext uri="{BB962C8B-B14F-4D97-AF65-F5344CB8AC3E}">
-        <p14:creationId xmlns:p14="http://schemas.microsoft.com/office/powerpoint/2010/main" val="2570153197"/>
+        <p14:creationId xmlns:p14="http://schemas.microsoft.com/office/powerpoint/2010/main" val="2225341402"/>
       </p:ext>
     </p:extLst>
   </p:cSld>
